--- a/Machine learning for dummies/Machine learning AI och Data Science.pptx
+++ b/Machine learning for dummies/Machine learning AI och Data Science.pptx
@@ -11,10 +11,11 @@
     <p:sldId id="259" r:id="rId5"/>
     <p:sldId id="260" r:id="rId6"/>
     <p:sldId id="262" r:id="rId7"/>
-    <p:sldId id="263" r:id="rId8"/>
-    <p:sldId id="266" r:id="rId9"/>
-    <p:sldId id="264" r:id="rId10"/>
-    <p:sldId id="261" r:id="rId11"/>
+    <p:sldId id="267" r:id="rId8"/>
+    <p:sldId id="263" r:id="rId9"/>
+    <p:sldId id="266" r:id="rId10"/>
+    <p:sldId id="264" r:id="rId11"/>
+    <p:sldId id="261" r:id="rId12"/>
   </p:sldIdLst>
   <p:sldSz cx="12192000" cy="6858000"/>
   <p:notesSz cx="6858000" cy="9144000"/>
@@ -113,6 +114,11 @@
       </a:defRPr>
     </a:lvl9pPr>
   </p:defaultTextStyle>
+  <p:extLst>
+    <p:ext uri="{EFAFB233-063F-42B5-8137-9DF3F51BA10A}">
+      <p15:sldGuideLst xmlns:p15="http://schemas.microsoft.com/office/powerpoint/2012/main"/>
+    </p:ext>
+  </p:extLst>
 </p:presentation>
 </file>
 
@@ -265,7 +271,7 @@
           <a:p>
             <a:fld id="{D54733F0-06F3-4793-9386-80AFF6BF7E4B}" type="datetimeFigureOut">
               <a:rPr lang="sv-SE" smtClean="0"/>
-              <a:t>2018-02-28</a:t>
+              <a:t>2018-03-03</a:t>
             </a:fld>
             <a:endParaRPr lang="sv-SE"/>
           </a:p>
@@ -465,7 +471,7 @@
           <a:p>
             <a:fld id="{D54733F0-06F3-4793-9386-80AFF6BF7E4B}" type="datetimeFigureOut">
               <a:rPr lang="sv-SE" smtClean="0"/>
-              <a:t>2018-02-28</a:t>
+              <a:t>2018-03-03</a:t>
             </a:fld>
             <a:endParaRPr lang="sv-SE"/>
           </a:p>
@@ -675,7 +681,7 @@
           <a:p>
             <a:fld id="{D54733F0-06F3-4793-9386-80AFF6BF7E4B}" type="datetimeFigureOut">
               <a:rPr lang="sv-SE" smtClean="0"/>
-              <a:t>2018-02-28</a:t>
+              <a:t>2018-03-03</a:t>
             </a:fld>
             <a:endParaRPr lang="sv-SE"/>
           </a:p>
@@ -875,7 +881,7 @@
           <a:p>
             <a:fld id="{D54733F0-06F3-4793-9386-80AFF6BF7E4B}" type="datetimeFigureOut">
               <a:rPr lang="sv-SE" smtClean="0"/>
-              <a:t>2018-02-28</a:t>
+              <a:t>2018-03-03</a:t>
             </a:fld>
             <a:endParaRPr lang="sv-SE"/>
           </a:p>
@@ -1151,7 +1157,7 @@
           <a:p>
             <a:fld id="{D54733F0-06F3-4793-9386-80AFF6BF7E4B}" type="datetimeFigureOut">
               <a:rPr lang="sv-SE" smtClean="0"/>
-              <a:t>2018-02-28</a:t>
+              <a:t>2018-03-03</a:t>
             </a:fld>
             <a:endParaRPr lang="sv-SE"/>
           </a:p>
@@ -1419,7 +1425,7 @@
           <a:p>
             <a:fld id="{D54733F0-06F3-4793-9386-80AFF6BF7E4B}" type="datetimeFigureOut">
               <a:rPr lang="sv-SE" smtClean="0"/>
-              <a:t>2018-02-28</a:t>
+              <a:t>2018-03-03</a:t>
             </a:fld>
             <a:endParaRPr lang="sv-SE"/>
           </a:p>
@@ -1834,7 +1840,7 @@
           <a:p>
             <a:fld id="{D54733F0-06F3-4793-9386-80AFF6BF7E4B}" type="datetimeFigureOut">
               <a:rPr lang="sv-SE" smtClean="0"/>
-              <a:t>2018-02-28</a:t>
+              <a:t>2018-03-03</a:t>
             </a:fld>
             <a:endParaRPr lang="sv-SE"/>
           </a:p>
@@ -1976,7 +1982,7 @@
           <a:p>
             <a:fld id="{D54733F0-06F3-4793-9386-80AFF6BF7E4B}" type="datetimeFigureOut">
               <a:rPr lang="sv-SE" smtClean="0"/>
-              <a:t>2018-02-28</a:t>
+              <a:t>2018-03-03</a:t>
             </a:fld>
             <a:endParaRPr lang="sv-SE"/>
           </a:p>
@@ -2089,7 +2095,7 @@
           <a:p>
             <a:fld id="{D54733F0-06F3-4793-9386-80AFF6BF7E4B}" type="datetimeFigureOut">
               <a:rPr lang="sv-SE" smtClean="0"/>
-              <a:t>2018-02-28</a:t>
+              <a:t>2018-03-03</a:t>
             </a:fld>
             <a:endParaRPr lang="sv-SE"/>
           </a:p>
@@ -2402,7 +2408,7 @@
           <a:p>
             <a:fld id="{D54733F0-06F3-4793-9386-80AFF6BF7E4B}" type="datetimeFigureOut">
               <a:rPr lang="sv-SE" smtClean="0"/>
-              <a:t>2018-02-28</a:t>
+              <a:t>2018-03-03</a:t>
             </a:fld>
             <a:endParaRPr lang="sv-SE"/>
           </a:p>
@@ -2691,7 +2697,7 @@
           <a:p>
             <a:fld id="{D54733F0-06F3-4793-9386-80AFF6BF7E4B}" type="datetimeFigureOut">
               <a:rPr lang="sv-SE" smtClean="0"/>
-              <a:t>2018-02-28</a:t>
+              <a:t>2018-03-03</a:t>
             </a:fld>
             <a:endParaRPr lang="sv-SE"/>
           </a:p>
@@ -2934,7 +2940,7 @@
           <a:p>
             <a:fld id="{D54733F0-06F3-4793-9386-80AFF6BF7E4B}" type="datetimeFigureOut">
               <a:rPr lang="sv-SE" smtClean="0"/>
-              <a:t>2018-02-28</a:t>
+              <a:t>2018-03-03</a:t>
             </a:fld>
             <a:endParaRPr lang="sv-SE"/>
           </a:p>
@@ -3436,6 +3442,86 @@
           <p:cNvPr id="2" name="Title 1">
             <a:extLst>
               <a:ext uri="{FF2B5EF4-FFF2-40B4-BE49-F238E27FC236}">
+                <a16:creationId xmlns:a16="http://schemas.microsoft.com/office/drawing/2014/main" id="{1021B72A-2EEF-4C78-8A82-BB6FF964523D}"/>
+              </a:ext>
+            </a:extLst>
+          </p:cNvPr>
+          <p:cNvSpPr>
+            <a:spLocks noGrp="1"/>
+          </p:cNvSpPr>
+          <p:nvPr>
+            <p:ph type="title"/>
+          </p:nvPr>
+        </p:nvSpPr>
+        <p:spPr/>
+        <p:txBody>
+          <a:bodyPr/>
+          <a:lstStyle/>
+          <a:p>
+            <a:endParaRPr lang="sv-SE"/>
+          </a:p>
+        </p:txBody>
+      </p:sp>
+      <p:sp>
+        <p:nvSpPr>
+          <p:cNvPr id="3" name="Content Placeholder 2">
+            <a:extLst>
+              <a:ext uri="{FF2B5EF4-FFF2-40B4-BE49-F238E27FC236}">
+                <a16:creationId xmlns:a16="http://schemas.microsoft.com/office/drawing/2014/main" id="{F87297E9-956C-48D3-B013-75D75DB25895}"/>
+              </a:ext>
+            </a:extLst>
+          </p:cNvPr>
+          <p:cNvSpPr>
+            <a:spLocks noGrp="1"/>
+          </p:cNvSpPr>
+          <p:nvPr>
+            <p:ph idx="1"/>
+          </p:nvPr>
+        </p:nvSpPr>
+        <p:spPr/>
+        <p:txBody>
+          <a:bodyPr/>
+          <a:lstStyle/>
+          <a:p>
+            <a:endParaRPr lang="sv-SE"/>
+          </a:p>
+        </p:txBody>
+      </p:sp>
+    </p:spTree>
+    <p:extLst>
+      <p:ext uri="{BB962C8B-B14F-4D97-AF65-F5344CB8AC3E}">
+        <p14:creationId xmlns:p14="http://schemas.microsoft.com/office/powerpoint/2010/main" val="2192061498"/>
+      </p:ext>
+    </p:extLst>
+  </p:cSld>
+  <p:clrMapOvr>
+    <a:masterClrMapping/>
+  </p:clrMapOvr>
+</p:sld>
+</file>
+
+<file path=ppt/slides/slide11.xml><?xml version="1.0" encoding="utf-8"?>
+<p:sld xmlns:a="http://schemas.openxmlformats.org/drawingml/2006/main" xmlns:r="http://schemas.openxmlformats.org/officeDocument/2006/relationships" xmlns:p="http://schemas.openxmlformats.org/presentationml/2006/main">
+  <p:cSld>
+    <p:spTree>
+      <p:nvGrpSpPr>
+        <p:cNvPr id="1" name=""/>
+        <p:cNvGrpSpPr/>
+        <p:nvPr/>
+      </p:nvGrpSpPr>
+      <p:grpSpPr>
+        <a:xfrm>
+          <a:off x="0" y="0"/>
+          <a:ext cx="0" cy="0"/>
+          <a:chOff x="0" y="0"/>
+          <a:chExt cx="0" cy="0"/>
+        </a:xfrm>
+      </p:grpSpPr>
+      <p:sp>
+        <p:nvSpPr>
+          <p:cNvPr id="2" name="Title 1">
+            <a:extLst>
+              <a:ext uri="{FF2B5EF4-FFF2-40B4-BE49-F238E27FC236}">
                 <a16:creationId xmlns:a16="http://schemas.microsoft.com/office/drawing/2014/main" id="{679CE534-BBEE-4ED3-AF20-F9703BB161DB}"/>
               </a:ext>
             </a:extLst>
@@ -3775,7 +3861,7 @@
           <a:p>
             <a:r>
               <a:rPr lang="sv-SE" dirty="0"/>
-              <a:t>Finns det andra machine learning-grejer?</a:t>
+              <a:t>Inte med</a:t>
             </a:r>
           </a:p>
         </p:txBody>
@@ -3803,13 +3889,59 @@
           <a:p>
             <a:r>
               <a:rPr lang="sv-SE" dirty="0"/>
-              <a:t>Har tagit med dem som är mest använt enligt olika källor jag hittat</a:t>
-            </a:r>
-          </a:p>
-          <a:p>
-            <a:r>
-              <a:rPr lang="sv-SE" dirty="0"/>
-              <a:t>Finns gott om andra tillämpningar som inte tas upp här (reinforcement learning, GANS, bots etc)</a:t>
+              <a:t>Andra tillämningar</a:t>
+            </a:r>
+          </a:p>
+          <a:p>
+            <a:pPr lvl="1"/>
+            <a:r>
+              <a:rPr lang="sv-SE" dirty="0"/>
+              <a:t>Anomilidetektion, rekommendationer, chatbotar</a:t>
+            </a:r>
+          </a:p>
+          <a:p>
+            <a:r>
+              <a:rPr lang="sv-SE" dirty="0"/>
+              <a:t>Kategorier av machine learning</a:t>
+            </a:r>
+          </a:p>
+          <a:p>
+            <a:pPr lvl="1"/>
+            <a:r>
+              <a:rPr lang="sv-SE" dirty="0"/>
+              <a:t>supervised/unsupervised, regression/logistic</a:t>
+            </a:r>
+          </a:p>
+          <a:p>
+            <a:r>
+              <a:rPr lang="sv-SE" dirty="0"/>
+              <a:t>Typer av modeller</a:t>
+            </a:r>
+          </a:p>
+          <a:p>
+            <a:pPr lvl="1"/>
+            <a:r>
+              <a:rPr lang="sv-SE" dirty="0"/>
+              <a:t>linear, decision trees, neurala nätverk, k-means. </a:t>
+            </a:r>
+          </a:p>
+          <a:p>
+            <a:r>
+              <a:rPr lang="sv-SE" dirty="0"/>
+              <a:t>Avancerade modeller</a:t>
+            </a:r>
+          </a:p>
+          <a:p>
+            <a:pPr lvl="1"/>
+            <a:r>
+              <a:rPr lang="sv-SE" dirty="0"/>
+              <a:t>Reinforcement learning, GANS</a:t>
+            </a:r>
+          </a:p>
+          <a:p>
+            <a:r>
+              <a:rPr lang="sv-SE" dirty="0"/>
+              <a:t>Om intresse finns får de bli en egen dragning.</a:t>
             </a:r>
           </a:p>
         </p:txBody>
@@ -4532,7 +4664,7 @@
           <p:cNvPr id="2" name="Title 1">
             <a:extLst>
               <a:ext uri="{FF2B5EF4-FFF2-40B4-BE49-F238E27FC236}">
-                <a16:creationId xmlns:a16="http://schemas.microsoft.com/office/drawing/2014/main" id="{95CE3352-59FE-42EE-B12F-F1C4ADAC207E}"/>
+                <a16:creationId xmlns:a16="http://schemas.microsoft.com/office/drawing/2014/main" id="{CE7B4CE7-10F3-49DF-8ECA-C257843282DD}"/>
               </a:ext>
             </a:extLst>
           </p:cNvPr>
@@ -4550,7 +4682,7 @@
           <a:p>
             <a:r>
               <a:rPr lang="sv-SE" dirty="0"/>
-              <a:t>Exempel</a:t>
+              <a:t>ärenden</a:t>
             </a:r>
           </a:p>
         </p:txBody>
@@ -4560,7 +4692,7 @@
           <p:cNvPr id="3" name="Content Placeholder 2">
             <a:extLst>
               <a:ext uri="{FF2B5EF4-FFF2-40B4-BE49-F238E27FC236}">
-                <a16:creationId xmlns:a16="http://schemas.microsoft.com/office/drawing/2014/main" id="{B38E88C3-EED0-4C30-8268-91E75A9D98E4}"/>
+                <a16:creationId xmlns:a16="http://schemas.microsoft.com/office/drawing/2014/main" id="{7662E483-FA0A-41FA-912B-96D208032B44}"/>
               </a:ext>
             </a:extLst>
           </p:cNvPr>
@@ -4578,45 +4710,39 @@
           <a:p>
             <a:r>
               <a:rPr lang="sv-SE" dirty="0"/>
-              <a:t>Visa sentiment i powerbi</a:t>
-            </a:r>
-          </a:p>
-          <a:p>
-            <a:r>
-              <a:rPr lang="sv-SE" dirty="0"/>
-              <a:t>Visa app som ser</a:t>
-            </a:r>
-          </a:p>
-          <a:p>
-            <a:r>
-              <a:rPr lang="sv-SE" dirty="0"/>
-              <a:t>(om mycket tid, vissa tjänst som skiljer på bilder – transfer learning – väldigt få exempel, om den tränats från scratch krävt 1000-tals bilder)</a:t>
-            </a:r>
-          </a:p>
-          <a:p>
-            <a:pPr marL="0" indent="0">
-              <a:buNone/>
-            </a:pPr>
-            <a:endParaRPr lang="sv-SE" dirty="0"/>
-          </a:p>
-          <a:p>
-            <a:endParaRPr lang="sv-SE" dirty="0"/>
-          </a:p>
-          <a:p>
-            <a:r>
-              <a:rPr lang="sv-SE" dirty="0"/>
-              <a:t>Finns många cognitive services – visa lista – även google släpper något liknande auto ml.</a:t>
-            </a:r>
-          </a:p>
-          <a:p>
-            <a:endParaRPr lang="sv-SE" dirty="0"/>
+              <a:t>Proaktivt minska valideringstid för 7,5% ärenden</a:t>
+            </a:r>
+          </a:p>
+          <a:p>
+            <a:r>
+              <a:rPr lang="sv-SE" dirty="0"/>
+              <a:t>Precision: 71 % av dessa 7,5% är det befogat att för försöka minska valideringstiden</a:t>
+            </a:r>
+          </a:p>
+          <a:p>
+            <a:r>
+              <a:rPr lang="sv-SE" dirty="0"/>
+              <a:t>Recall: 68% av ärenden där lång validerings tid händer fångas med den här modellen</a:t>
+            </a:r>
+          </a:p>
+          <a:p>
+            <a:r>
+              <a:rPr lang="sv-SE" dirty="0"/>
+              <a:t>Skulle behöva mer och bättre data för göra en robust modell. Precision höjts med stratification</a:t>
+            </a:r>
+          </a:p>
+          <a:p>
+            <a:r>
+              <a:rPr lang="sv-SE" dirty="0"/>
+              <a:t>Human level accuracy</a:t>
+            </a:r>
           </a:p>
         </p:txBody>
       </p:sp>
     </p:spTree>
     <p:extLst>
       <p:ext uri="{BB962C8B-B14F-4D97-AF65-F5344CB8AC3E}">
-        <p14:creationId xmlns:p14="http://schemas.microsoft.com/office/powerpoint/2010/main" val="4003029883"/>
+        <p14:creationId xmlns:p14="http://schemas.microsoft.com/office/powerpoint/2010/main" val="660857536"/>
       </p:ext>
     </p:extLst>
   </p:cSld>
@@ -4648,7 +4774,7 @@
           <p:cNvPr id="2" name="Title 1">
             <a:extLst>
               <a:ext uri="{FF2B5EF4-FFF2-40B4-BE49-F238E27FC236}">
-                <a16:creationId xmlns:a16="http://schemas.microsoft.com/office/drawing/2014/main" id="{37E689B6-4C0C-43B0-BE54-63210DCD7EEC}"/>
+                <a16:creationId xmlns:a16="http://schemas.microsoft.com/office/drawing/2014/main" id="{95CE3352-59FE-42EE-B12F-F1C4ADAC207E}"/>
               </a:ext>
             </a:extLst>
           </p:cNvPr>
@@ -4666,7 +4792,7 @@
           <a:p>
             <a:r>
               <a:rPr lang="sv-SE" dirty="0"/>
-              <a:t>Hjälpa med att förstå och hitta mönster i data</a:t>
+              <a:t>Exempel</a:t>
             </a:r>
           </a:p>
         </p:txBody>
@@ -4676,7 +4802,7 @@
           <p:cNvPr id="3" name="Content Placeholder 2">
             <a:extLst>
               <a:ext uri="{FF2B5EF4-FFF2-40B4-BE49-F238E27FC236}">
-                <a16:creationId xmlns:a16="http://schemas.microsoft.com/office/drawing/2014/main" id="{B6B62BD6-0CA9-4AB6-BFA1-3AD053B2C8E1}"/>
+                <a16:creationId xmlns:a16="http://schemas.microsoft.com/office/drawing/2014/main" id="{B38E88C3-EED0-4C30-8268-91E75A9D98E4}"/>
               </a:ext>
             </a:extLst>
           </p:cNvPr>
@@ -4687,58 +4813,50 @@
             <p:ph idx="1"/>
           </p:nvPr>
         </p:nvSpPr>
-        <p:spPr>
-          <a:xfrm>
-            <a:off x="838200" y="1690688"/>
-            <a:ext cx="10515600" cy="4351338"/>
-          </a:xfrm>
-        </p:spPr>
-        <p:txBody>
-          <a:bodyPr/>
-          <a:lstStyle/>
-          <a:p>
-            <a:r>
-              <a:rPr lang="sv-SE" dirty="0"/>
-              <a:t>Hjälpa med att förstå och hitta mönster i data</a:t>
-            </a:r>
-          </a:p>
-          <a:p>
-            <a:pPr lvl="1"/>
-            <a:r>
-              <a:rPr lang="sv-SE" dirty="0"/>
-              <a:t>”Gruppera våra kunder utifrån de som har flest gemensamma egenskaper utifrån geografi, storlek, och huvudsakligt köpkategori”</a:t>
-            </a:r>
-          </a:p>
-          <a:p>
-            <a:pPr lvl="1"/>
+        <p:spPr/>
+        <p:txBody>
+          <a:bodyPr/>
+          <a:lstStyle/>
+          <a:p>
+            <a:r>
+              <a:rPr lang="sv-SE" dirty="0"/>
+              <a:t>Visa känsloanalys i powerbi</a:t>
+            </a:r>
+          </a:p>
+          <a:p>
+            <a:r>
+              <a:rPr lang="sv-SE" dirty="0"/>
+              <a:t>Hitta max och min. Snällt till riktigt hårda ord.</a:t>
+            </a:r>
+          </a:p>
+          <a:p>
+            <a:r>
+              <a:rPr lang="sv-SE" dirty="0"/>
+              <a:t>Skilja på korv och pizza</a:t>
+            </a:r>
+          </a:p>
+          <a:p>
+            <a:r>
+              <a:rPr lang="sv-SE" dirty="0"/>
+              <a:t>transfer learning – väldigt få exempel, om den tränats från scratch krävt 1000-tals bilder)</a:t>
+            </a:r>
+          </a:p>
+          <a:p>
+            <a:pPr marL="0" indent="0">
+              <a:buNone/>
+            </a:pPr>
             <a:endParaRPr lang="sv-SE" dirty="0"/>
           </a:p>
           <a:p>
-            <a:r>
-              <a:rPr lang="sv-SE" dirty="0"/>
-              <a:t>Visa trafikverket, gå upp och ned</a:t>
-            </a:r>
-          </a:p>
-          <a:p>
-            <a:r>
-              <a:rPr lang="sv-SE" dirty="0"/>
-              <a:t>Visa sammanfattning</a:t>
-            </a:r>
-          </a:p>
-          <a:p>
-            <a:r>
-              <a:rPr lang="sv-SE" dirty="0"/>
-              <a:t>Något med k-means</a:t>
-            </a:r>
-          </a:p>
-          <a:p>
-            <a:r>
-              <a:rPr lang="sv-SE" dirty="0"/>
-              <a:t>Data science – inte machine learning – förstå barns höjd exempel. Lägg till hyptestestning.</a:t>
-            </a:r>
-          </a:p>
-          <a:p>
-            <a:pPr lvl="1"/>
+            <a:endParaRPr lang="sv-SE" dirty="0"/>
+          </a:p>
+          <a:p>
+            <a:r>
+              <a:rPr lang="sv-SE" dirty="0"/>
+              <a:t>Finns många cognitive services – visa lista – även google släpper något liknande auto ml.</a:t>
+            </a:r>
+          </a:p>
+          <a:p>
             <a:endParaRPr lang="sv-SE" dirty="0"/>
           </a:p>
         </p:txBody>
@@ -4746,7 +4864,7 @@
     </p:spTree>
     <p:extLst>
       <p:ext uri="{BB962C8B-B14F-4D97-AF65-F5344CB8AC3E}">
-        <p14:creationId xmlns:p14="http://schemas.microsoft.com/office/powerpoint/2010/main" val="4227783960"/>
+        <p14:creationId xmlns:p14="http://schemas.microsoft.com/office/powerpoint/2010/main" val="4003029883"/>
       </p:ext>
     </p:extLst>
   </p:cSld>
@@ -4778,7 +4896,7 @@
           <p:cNvPr id="2" name="Title 1">
             <a:extLst>
               <a:ext uri="{FF2B5EF4-FFF2-40B4-BE49-F238E27FC236}">
-                <a16:creationId xmlns:a16="http://schemas.microsoft.com/office/drawing/2014/main" id="{1021B72A-2EEF-4C78-8A82-BB6FF964523D}"/>
+                <a16:creationId xmlns:a16="http://schemas.microsoft.com/office/drawing/2014/main" id="{37E689B6-4C0C-43B0-BE54-63210DCD7EEC}"/>
               </a:ext>
             </a:extLst>
           </p:cNvPr>
@@ -4794,7 +4912,10 @@
           <a:bodyPr/>
           <a:lstStyle/>
           <a:p>
-            <a:endParaRPr lang="sv-SE"/>
+            <a:r>
+              <a:rPr lang="sv-SE" dirty="0"/>
+              <a:t>Hjälpa med att förstå och hitta mönster i data</a:t>
+            </a:r>
           </a:p>
         </p:txBody>
       </p:sp>
@@ -4803,7 +4924,7 @@
           <p:cNvPr id="3" name="Content Placeholder 2">
             <a:extLst>
               <a:ext uri="{FF2B5EF4-FFF2-40B4-BE49-F238E27FC236}">
-                <a16:creationId xmlns:a16="http://schemas.microsoft.com/office/drawing/2014/main" id="{F87297E9-956C-48D3-B013-75D75DB25895}"/>
+                <a16:creationId xmlns:a16="http://schemas.microsoft.com/office/drawing/2014/main" id="{B6B62BD6-0CA9-4AB6-BFA1-3AD053B2C8E1}"/>
               </a:ext>
             </a:extLst>
           </p:cNvPr>
@@ -4814,19 +4935,66 @@
             <p:ph idx="1"/>
           </p:nvPr>
         </p:nvSpPr>
-        <p:spPr/>
-        <p:txBody>
-          <a:bodyPr/>
-          <a:lstStyle/>
-          <a:p>
-            <a:endParaRPr lang="sv-SE"/>
+        <p:spPr>
+          <a:xfrm>
+            <a:off x="838200" y="1690688"/>
+            <a:ext cx="10515600" cy="4351338"/>
+          </a:xfrm>
+        </p:spPr>
+        <p:txBody>
+          <a:bodyPr/>
+          <a:lstStyle/>
+          <a:p>
+            <a:r>
+              <a:rPr lang="sv-SE" dirty="0"/>
+              <a:t>Hjälpa med att förstå och hitta mönster i data</a:t>
+            </a:r>
+          </a:p>
+          <a:p>
+            <a:pPr lvl="1"/>
+            <a:r>
+              <a:rPr lang="sv-SE" dirty="0"/>
+              <a:t>”Gruppera våra kunder utifrån de som har flest gemensamma egenskaper utifrån geografi, storlek, och huvudsakligt köpkategori”</a:t>
+            </a:r>
+          </a:p>
+          <a:p>
+            <a:pPr lvl="1"/>
+            <a:endParaRPr lang="sv-SE" dirty="0"/>
+          </a:p>
+          <a:p>
+            <a:r>
+              <a:rPr lang="sv-SE" dirty="0"/>
+              <a:t>Visa trafikverket, gå upp och ned</a:t>
+            </a:r>
+          </a:p>
+          <a:p>
+            <a:r>
+              <a:rPr lang="sv-SE" dirty="0"/>
+              <a:t>Visa sammanfattning</a:t>
+            </a:r>
+          </a:p>
+          <a:p>
+            <a:r>
+              <a:rPr lang="sv-SE" dirty="0"/>
+              <a:t>Något med k-means</a:t>
+            </a:r>
+          </a:p>
+          <a:p>
+            <a:r>
+              <a:rPr lang="sv-SE" dirty="0"/>
+              <a:t>Data science – inte machine learning – förstå barns höjd exempel. Lägg till hyptestestning.</a:t>
+            </a:r>
+          </a:p>
+          <a:p>
+            <a:pPr lvl="1"/>
+            <a:endParaRPr lang="sv-SE" dirty="0"/>
           </a:p>
         </p:txBody>
       </p:sp>
     </p:spTree>
     <p:extLst>
       <p:ext uri="{BB962C8B-B14F-4D97-AF65-F5344CB8AC3E}">
-        <p14:creationId xmlns:p14="http://schemas.microsoft.com/office/powerpoint/2010/main" val="2192061498"/>
+        <p14:creationId xmlns:p14="http://schemas.microsoft.com/office/powerpoint/2010/main" val="4227783960"/>
       </p:ext>
     </p:extLst>
   </p:cSld>
